--- a/DsDotNet/src/UnitTest/UnitTest.Model/ImportOfficeExample/SampleA/exportDS/testA/lib/CVRemove.pptx
+++ b/DsDotNet/src/UnitTest/UnitTest.Model/ImportOfficeExample/SampleA/exportDS/testA/lib/CVRemove.pptx
@@ -4002,7 +4002,7 @@
           <a:effectLst/>
           <a:extLst>
             <a:ext uri="{91240B29-F687-4f45-9708-019B960494DF}">
-              <a14:hiddenLine xmlns:a14="http://schemas.microsoft.com/office/drawing/2010/main" xmlns="" w="9525">
+              <a14:hiddenLine xmlns="" xmlns:a14="http://schemas.microsoft.com/office/drawing/2010/main" w="9525">
                 <a:solidFill>
                   <a:srgbClr val="000000"/>
                 </a:solidFill>
@@ -4194,7 +4194,7 @@
           <a:p>
             <a:fld id="{3E1D827B-9946-4E0D-97BA-FFCB17A9AF00}" type="datetimeFigureOut">
               <a:rPr lang="ko-KR" altLang="en-US" smtClean="0"/>
-              <a:t>2023-11-22</a:t>
+              <a:t>2025-04-20</a:t>
             </a:fld>
             <a:endParaRPr lang="ko-KR" altLang="en-US"/>
           </a:p>
@@ -4512,7 +4512,7 @@
           <a:p>
             <a:fld id="{3E1D827B-9946-4E0D-97BA-FFCB17A9AF00}" type="datetimeFigureOut">
               <a:rPr lang="ko-KR" altLang="en-US" smtClean="0"/>
-              <a:t>2023-11-22</a:t>
+              <a:t>2025-04-20</a:t>
             </a:fld>
             <a:endParaRPr lang="ko-KR" altLang="en-US"/>
           </a:p>
@@ -5000,7 +5000,7 @@
           <a:p>
             <a:fld id="{3E1D827B-9946-4E0D-97BA-FFCB17A9AF00}" type="datetimeFigureOut">
               <a:rPr lang="ko-KR" altLang="en-US" smtClean="0"/>
-              <a:t>2023-11-22</a:t>
+              <a:t>2025-04-20</a:t>
             </a:fld>
             <a:endParaRPr lang="ko-KR" altLang="en-US"/>
           </a:p>
@@ -5369,7 +5369,7 @@
           <a:p>
             <a:fld id="{3E1D827B-9946-4E0D-97BA-FFCB17A9AF00}" type="datetimeFigureOut">
               <a:rPr lang="ko-KR" altLang="en-US" smtClean="0"/>
-              <a:t>2023-11-22</a:t>
+              <a:t>2025-04-20</a:t>
             </a:fld>
             <a:endParaRPr lang="ko-KR" altLang="en-US"/>
           </a:p>
@@ -5524,7 +5524,7 @@
           <a:ln/>
           <a:extLst>
             <a:ext uri="{91240B29-F687-4f45-9708-019B960494DF}">
-              <a14:hiddenLine xmlns:a14="http://schemas.microsoft.com/office/drawing/2010/main" xmlns="" w="9525">
+              <a14:hiddenLine xmlns="" xmlns:a14="http://schemas.microsoft.com/office/drawing/2010/main" w="9525">
                 <a:solidFill>
                   <a:srgbClr val="000000"/>
                 </a:solidFill>
@@ -5642,7 +5642,7 @@
           <a:p>
             <a:fld id="{3E1D827B-9946-4E0D-97BA-FFCB17A9AF00}" type="datetimeFigureOut">
               <a:rPr lang="ko-KR" altLang="en-US" smtClean="0"/>
-              <a:t>2023-11-22</a:t>
+              <a:t>2025-04-20</a:t>
             </a:fld>
             <a:endParaRPr lang="ko-KR" altLang="en-US"/>
           </a:p>
@@ -5799,7 +5799,7 @@
           <a:ln/>
           <a:extLst>
             <a:ext uri="{91240B29-F687-4f45-9708-019B960494DF}">
-              <a14:hiddenLine xmlns:a14="http://schemas.microsoft.com/office/drawing/2010/main" xmlns="" w="9525">
+              <a14:hiddenLine xmlns="" xmlns:a14="http://schemas.microsoft.com/office/drawing/2010/main" w="9525">
                 <a:solidFill>
                   <a:srgbClr val="000000"/>
                 </a:solidFill>
@@ -5927,7 +5927,7 @@
           <a:p>
             <a:fld id="{3E1D827B-9946-4E0D-97BA-FFCB17A9AF00}" type="datetimeFigureOut">
               <a:rPr lang="ko-KR" altLang="en-US" smtClean="0"/>
-              <a:t>2023-11-22</a:t>
+              <a:t>2025-04-20</a:t>
             </a:fld>
             <a:endParaRPr lang="ko-KR" altLang="en-US"/>
           </a:p>
@@ -6022,7 +6022,7 @@
           <a:p>
             <a:fld id="{3E1D827B-9946-4E0D-97BA-FFCB17A9AF00}" type="datetimeFigureOut">
               <a:rPr lang="ko-KR" altLang="en-US" smtClean="0"/>
-              <a:t>2023-11-22</a:t>
+              <a:t>2025-04-20</a:t>
             </a:fld>
             <a:endParaRPr lang="ko-KR" altLang="en-US"/>
           </a:p>
@@ -6247,7 +6247,7 @@
           <a:ln/>
           <a:extLst>
             <a:ext uri="{91240B29-F687-4f45-9708-019B960494DF}">
-              <a14:hiddenLine xmlns:a14="http://schemas.microsoft.com/office/drawing/2010/main" xmlns="" w="9525">
+              <a14:hiddenLine xmlns="" xmlns:a14="http://schemas.microsoft.com/office/drawing/2010/main" w="9525">
                 <a:solidFill>
                   <a:srgbClr val="000000"/>
                 </a:solidFill>
@@ -6375,7 +6375,7 @@
           <a:p>
             <a:fld id="{3E1D827B-9946-4E0D-97BA-FFCB17A9AF00}" type="datetimeFigureOut">
               <a:rPr lang="ko-KR" altLang="en-US" smtClean="0"/>
-              <a:t>2023-11-22</a:t>
+              <a:t>2025-04-20</a:t>
             </a:fld>
             <a:endParaRPr lang="ko-KR" altLang="en-US"/>
           </a:p>
@@ -6718,7 +6718,7 @@
           <a:p>
             <a:fld id="{3E1D827B-9946-4E0D-97BA-FFCB17A9AF00}" type="datetimeFigureOut">
               <a:rPr lang="ko-KR" altLang="en-US" smtClean="0"/>
-              <a:t>2023-11-22</a:t>
+              <a:t>2025-04-20</a:t>
             </a:fld>
             <a:endParaRPr lang="ko-KR" altLang="en-US"/>
           </a:p>
@@ -6873,7 +6873,7 @@
           <a:ln/>
           <a:extLst>
             <a:ext uri="{91240B29-F687-4f45-9708-019B960494DF}">
-              <a14:hiddenLine xmlns:a14="http://schemas.microsoft.com/office/drawing/2010/main" xmlns="" w="9525">
+              <a14:hiddenLine xmlns="" xmlns:a14="http://schemas.microsoft.com/office/drawing/2010/main" w="9525">
                 <a:solidFill>
                   <a:srgbClr val="000000"/>
                 </a:solidFill>
@@ -7057,7 +7057,7 @@
           <a:p>
             <a:fld id="{3E1D827B-9946-4E0D-97BA-FFCB17A9AF00}" type="datetimeFigureOut">
               <a:rPr lang="ko-KR" altLang="en-US" smtClean="0"/>
-              <a:t>2023-11-22</a:t>
+              <a:t>2025-04-20</a:t>
             </a:fld>
             <a:endParaRPr lang="ko-KR" altLang="en-US"/>
           </a:p>
@@ -7217,7 +7217,7 @@
           <a:ln/>
           <a:extLst>
             <a:ext uri="{91240B29-F687-4f45-9708-019B960494DF}">
-              <a14:hiddenLine xmlns:a14="http://schemas.microsoft.com/office/drawing/2010/main" xmlns="" w="9525">
+              <a14:hiddenLine xmlns="" xmlns:a14="http://schemas.microsoft.com/office/drawing/2010/main" w="9525">
                 <a:solidFill>
                   <a:srgbClr val="000000"/>
                 </a:solidFill>
@@ -7539,7 +7539,7 @@
           <a:p>
             <a:fld id="{3E1D827B-9946-4E0D-97BA-FFCB17A9AF00}" type="datetimeFigureOut">
               <a:rPr lang="ko-KR" altLang="en-US" smtClean="0"/>
-              <a:t>2023-11-22</a:t>
+              <a:t>2025-04-20</a:t>
             </a:fld>
             <a:endParaRPr lang="ko-KR" altLang="en-US"/>
           </a:p>
@@ -7699,7 +7699,7 @@
           <a:ln/>
           <a:extLst>
             <a:ext uri="{91240B29-F687-4f45-9708-019B960494DF}">
-              <a14:hiddenLine xmlns:a14="http://schemas.microsoft.com/office/drawing/2010/main" xmlns="" w="9525">
+              <a14:hiddenLine xmlns="" xmlns:a14="http://schemas.microsoft.com/office/drawing/2010/main" w="9525">
                 <a:solidFill>
                   <a:srgbClr val="000000"/>
                 </a:solidFill>
@@ -7765,7 +7765,7 @@
           <a:p>
             <a:fld id="{3E1D827B-9946-4E0D-97BA-FFCB17A9AF00}" type="datetimeFigureOut">
               <a:rPr lang="ko-KR" altLang="en-US" smtClean="0"/>
-              <a:t>2023-11-22</a:t>
+              <a:t>2025-04-20</a:t>
             </a:fld>
             <a:endParaRPr lang="ko-KR" altLang="en-US"/>
           </a:p>
@@ -7860,7 +7860,7 @@
           <a:p>
             <a:fld id="{3E1D827B-9946-4E0D-97BA-FFCB17A9AF00}" type="datetimeFigureOut">
               <a:rPr lang="ko-KR" altLang="en-US" smtClean="0"/>
-              <a:t>2023-11-22</a:t>
+              <a:t>2025-04-20</a:t>
             </a:fld>
             <a:endParaRPr lang="ko-KR" altLang="en-US"/>
           </a:p>
@@ -8128,7 +8128,7 @@
           <a:ln/>
           <a:extLst>
             <a:ext uri="{91240B29-F687-4f45-9708-019B960494DF}">
-              <a14:hiddenLine xmlns:a14="http://schemas.microsoft.com/office/drawing/2010/main" xmlns="" w="9525">
+              <a14:hiddenLine xmlns="" xmlns:a14="http://schemas.microsoft.com/office/drawing/2010/main" w="9525">
                 <a:solidFill>
                   <a:srgbClr val="000000"/>
                 </a:solidFill>
@@ -8327,7 +8327,7 @@
           <a:p>
             <a:fld id="{3E1D827B-9946-4E0D-97BA-FFCB17A9AF00}" type="datetimeFigureOut">
               <a:rPr lang="ko-KR" altLang="en-US" smtClean="0"/>
-              <a:t>2023-11-22</a:t>
+              <a:t>2025-04-20</a:t>
             </a:fld>
             <a:endParaRPr lang="ko-KR" altLang="en-US"/>
           </a:p>
@@ -8645,7 +8645,7 @@
           <a:p>
             <a:fld id="{3E1D827B-9946-4E0D-97BA-FFCB17A9AF00}" type="datetimeFigureOut">
               <a:rPr lang="ko-KR" altLang="en-US" smtClean="0"/>
-              <a:t>2023-11-22</a:t>
+              <a:t>2025-04-20</a:t>
             </a:fld>
             <a:endParaRPr lang="ko-KR" altLang="en-US"/>
           </a:p>
@@ -8915,7 +8915,7 @@
           <a:p>
             <a:fld id="{3E1D827B-9946-4E0D-97BA-FFCB17A9AF00}" type="datetimeFigureOut">
               <a:rPr lang="ko-KR" altLang="en-US" smtClean="0"/>
-              <a:t>2023-11-22</a:t>
+              <a:t>2025-04-20</a:t>
             </a:fld>
             <a:endParaRPr lang="ko-KR" altLang="en-US"/>
           </a:p>
@@ -9547,10 +9547,10 @@
       </p:sp>
       <p:grpSp>
         <p:nvGrpSpPr>
-          <p:cNvPr id="67" name="그룹 66">
+          <p:cNvPr id="5" name="그룹 4">
             <a:extLst>
               <a:ext uri="{FF2B5EF4-FFF2-40B4-BE49-F238E27FC236}">
-                <a16:creationId xmlns:a16="http://schemas.microsoft.com/office/drawing/2014/main" id="{B6B09448-D5AE-4855-7352-C665D9C6CBCE}"/>
+                <a16:creationId xmlns:a16="http://schemas.microsoft.com/office/drawing/2014/main" id="{53D2664C-4AD8-B516-DCBC-09FD51A2C45B}"/>
               </a:ext>
             </a:extLst>
           </p:cNvPr>
@@ -10016,8 +10016,13 @@
             <a:pPr algn="ctr"/>
             <a:r>
               <a:rPr lang="en-US" altLang="ko-KR" sz="1100" dirty="0"/>
-              <a:t>[REMOVE ~]</a:t>
+              <a:t>[</a:t>
             </a:r>
+            <a:r>
+              <a:rPr lang="en-US" altLang="ko-KR" sz="1100"/>
+              <a:t>REMOVE ~ REMOVE]</a:t>
+            </a:r>
+            <a:endParaRPr lang="en-US" altLang="ko-KR" sz="1100" dirty="0"/>
           </a:p>
         </p:txBody>
       </p:sp>
